--- a/DesignLogo.pptx
+++ b/DesignLogo.pptx
@@ -243,7 +243,7 @@
           <a:p>
             <a:fld id="{EA5E33E1-2229-744C-8C71-97F63E12E546}" type="datetimeFigureOut">
               <a:rPr lang="en-US" smtClean="0"/>
-              <a:t>10/2/20</a:t>
+              <a:t>10/11/20</a:t>
             </a:fld>
             <a:endParaRPr lang="en-US"/>
           </a:p>
@@ -413,7 +413,7 @@
           <a:p>
             <a:fld id="{EA5E33E1-2229-744C-8C71-97F63E12E546}" type="datetimeFigureOut">
               <a:rPr lang="en-US" smtClean="0"/>
-              <a:t>10/2/20</a:t>
+              <a:t>10/11/20</a:t>
             </a:fld>
             <a:endParaRPr lang="en-US"/>
           </a:p>
@@ -593,7 +593,7 @@
           <a:p>
             <a:fld id="{EA5E33E1-2229-744C-8C71-97F63E12E546}" type="datetimeFigureOut">
               <a:rPr lang="en-US" smtClean="0"/>
-              <a:t>10/2/20</a:t>
+              <a:t>10/11/20</a:t>
             </a:fld>
             <a:endParaRPr lang="en-US"/>
           </a:p>
@@ -763,7 +763,7 @@
           <a:p>
             <a:fld id="{EA5E33E1-2229-744C-8C71-97F63E12E546}" type="datetimeFigureOut">
               <a:rPr lang="en-US" smtClean="0"/>
-              <a:t>10/2/20</a:t>
+              <a:t>10/11/20</a:t>
             </a:fld>
             <a:endParaRPr lang="en-US"/>
           </a:p>
@@ -1007,7 +1007,7 @@
           <a:p>
             <a:fld id="{EA5E33E1-2229-744C-8C71-97F63E12E546}" type="datetimeFigureOut">
               <a:rPr lang="en-US" smtClean="0"/>
-              <a:t>10/2/20</a:t>
+              <a:t>10/11/20</a:t>
             </a:fld>
             <a:endParaRPr lang="en-US"/>
           </a:p>
@@ -1239,7 +1239,7 @@
           <a:p>
             <a:fld id="{EA5E33E1-2229-744C-8C71-97F63E12E546}" type="datetimeFigureOut">
               <a:rPr lang="en-US" smtClean="0"/>
-              <a:t>10/2/20</a:t>
+              <a:t>10/11/20</a:t>
             </a:fld>
             <a:endParaRPr lang="en-US"/>
           </a:p>
@@ -1606,7 +1606,7 @@
           <a:p>
             <a:fld id="{EA5E33E1-2229-744C-8C71-97F63E12E546}" type="datetimeFigureOut">
               <a:rPr lang="en-US" smtClean="0"/>
-              <a:t>10/2/20</a:t>
+              <a:t>10/11/20</a:t>
             </a:fld>
             <a:endParaRPr lang="en-US"/>
           </a:p>
@@ -1724,7 +1724,7 @@
           <a:p>
             <a:fld id="{EA5E33E1-2229-744C-8C71-97F63E12E546}" type="datetimeFigureOut">
               <a:rPr lang="en-US" smtClean="0"/>
-              <a:t>10/2/20</a:t>
+              <a:t>10/11/20</a:t>
             </a:fld>
             <a:endParaRPr lang="en-US"/>
           </a:p>
@@ -1819,7 +1819,7 @@
           <a:p>
             <a:fld id="{EA5E33E1-2229-744C-8C71-97F63E12E546}" type="datetimeFigureOut">
               <a:rPr lang="en-US" smtClean="0"/>
-              <a:t>10/2/20</a:t>
+              <a:t>10/11/20</a:t>
             </a:fld>
             <a:endParaRPr lang="en-US"/>
           </a:p>
@@ -2096,7 +2096,7 @@
           <a:p>
             <a:fld id="{EA5E33E1-2229-744C-8C71-97F63E12E546}" type="datetimeFigureOut">
               <a:rPr lang="en-US" smtClean="0"/>
-              <a:t>10/2/20</a:t>
+              <a:t>10/11/20</a:t>
             </a:fld>
             <a:endParaRPr lang="en-US"/>
           </a:p>
@@ -2353,7 +2353,7 @@
           <a:p>
             <a:fld id="{EA5E33E1-2229-744C-8C71-97F63E12E546}" type="datetimeFigureOut">
               <a:rPr lang="en-US" smtClean="0"/>
-              <a:t>10/2/20</a:t>
+              <a:t>10/11/20</a:t>
             </a:fld>
             <a:endParaRPr lang="en-US"/>
           </a:p>
@@ -2566,7 +2566,7 @@
           <a:p>
             <a:fld id="{EA5E33E1-2229-744C-8C71-97F63E12E546}" type="datetimeFigureOut">
               <a:rPr lang="en-US" smtClean="0"/>
-              <a:t>10/2/20</a:t>
+              <a:t>10/11/20</a:t>
             </a:fld>
             <a:endParaRPr lang="en-US"/>
           </a:p>
@@ -3021,7 +3021,7 @@
           <a:prstGeom prst="arc">
             <a:avLst/>
           </a:prstGeom>
-          <a:ln w="190500">
+          <a:ln w="482600">
             <a:solidFill>
               <a:schemeClr val="accent6">
                 <a:lumMod val="50000"/>
@@ -3066,8 +3066,8 @@
         </p:nvSpPr>
         <p:spPr>
           <a:xfrm>
-            <a:off x="2762249" y="6152147"/>
-            <a:ext cx="1852864" cy="1852864"/>
+            <a:off x="2374232" y="6152146"/>
+            <a:ext cx="2240881" cy="2240881"/>
           </a:xfrm>
           <a:prstGeom prst="teardrop">
             <a:avLst/>
@@ -3115,8 +3115,8 @@
         </p:nvSpPr>
         <p:spPr>
           <a:xfrm rot="10800000">
-            <a:off x="4615113" y="4323346"/>
-            <a:ext cx="1852864" cy="1852864"/>
+            <a:off x="4615111" y="3935326"/>
+            <a:ext cx="2229851" cy="2240883"/>
           </a:xfrm>
           <a:prstGeom prst="teardrop">
             <a:avLst/>
@@ -3146,7 +3146,67 @@
           <a:lstStyle/>
           <a:p>
             <a:pPr algn="ctr"/>
-            <a:endParaRPr lang="en-US"/>
+            <a:endParaRPr lang="en-US" dirty="0"/>
+          </a:p>
+          <a:p>
+            <a:pPr algn="ctr"/>
+            <a:endParaRPr lang="en-US" dirty="0"/>
+          </a:p>
+          <a:p>
+            <a:pPr algn="ctr"/>
+            <a:endParaRPr lang="en-US" dirty="0"/>
+          </a:p>
+          <a:p>
+            <a:pPr algn="ctr"/>
+            <a:endParaRPr lang="en-US" dirty="0"/>
+          </a:p>
+          <a:p>
+            <a:pPr algn="ctr"/>
+            <a:endParaRPr lang="en-US" dirty="0"/>
+          </a:p>
+          <a:p>
+            <a:pPr algn="ctr"/>
+            <a:endParaRPr lang="en-US" dirty="0"/>
+          </a:p>
+          <a:p>
+            <a:pPr algn="ctr"/>
+            <a:endParaRPr lang="en-US" dirty="0"/>
+          </a:p>
+          <a:p>
+            <a:pPr algn="ctr"/>
+            <a:endParaRPr lang="en-US" dirty="0"/>
+          </a:p>
+          <a:p>
+            <a:pPr algn="ctr"/>
+            <a:endParaRPr lang="en-US" dirty="0"/>
+          </a:p>
+          <a:p>
+            <a:pPr algn="ctr"/>
+            <a:endParaRPr lang="en-US" dirty="0"/>
+          </a:p>
+          <a:p>
+            <a:pPr algn="ctr"/>
+            <a:endParaRPr lang="en-US" dirty="0"/>
+          </a:p>
+          <a:p>
+            <a:pPr algn="ctr"/>
+            <a:endParaRPr lang="en-US" dirty="0"/>
+          </a:p>
+          <a:p>
+            <a:pPr algn="ctr"/>
+            <a:endParaRPr lang="en-US" dirty="0"/>
+          </a:p>
+          <a:p>
+            <a:pPr algn="ctr"/>
+            <a:endParaRPr lang="en-US" dirty="0"/>
+          </a:p>
+          <a:p>
+            <a:pPr algn="ctr"/>
+            <a:endParaRPr lang="en-US" dirty="0"/>
+          </a:p>
+          <a:p>
+            <a:pPr algn="ctr"/>
+            <a:endParaRPr lang="en-US" dirty="0"/>
           </a:p>
         </p:txBody>
       </p:sp>
@@ -3164,8 +3224,8 @@
         </p:nvSpPr>
         <p:spPr>
           <a:xfrm rot="5400000">
-            <a:off x="2762249" y="4323346"/>
-            <a:ext cx="1852864" cy="1852864"/>
+            <a:off x="2374232" y="3935329"/>
+            <a:ext cx="2240881" cy="2240881"/>
           </a:xfrm>
           <a:prstGeom prst="teardrop">
             <a:avLst/>
@@ -3213,8 +3273,8 @@
         </p:nvSpPr>
         <p:spPr>
           <a:xfrm rot="16200000">
-            <a:off x="4615111" y="6176210"/>
-            <a:ext cx="1852864" cy="1852864"/>
+            <a:off x="4615110" y="6176209"/>
+            <a:ext cx="2240881" cy="2240881"/>
           </a:xfrm>
           <a:prstGeom prst="teardrop">
             <a:avLst/>
@@ -3262,8 +3322,8 @@
         </p:nvSpPr>
         <p:spPr>
           <a:xfrm>
-            <a:off x="2549690" y="3433010"/>
-            <a:ext cx="417095" cy="417095"/>
+            <a:off x="2037363" y="2521589"/>
+            <a:ext cx="1572124" cy="1571123"/>
           </a:xfrm>
           <a:prstGeom prst="ellipse">
             <a:avLst/>
@@ -3296,7 +3356,11 @@
           <a:lstStyle/>
           <a:p>
             <a:pPr algn="ctr"/>
-            <a:endParaRPr lang="en-US"/>
+            <a:endParaRPr lang="en-US" dirty="0"/>
+          </a:p>
+          <a:p>
+            <a:pPr algn="ctr"/>
+            <a:endParaRPr lang="en-US" dirty="0"/>
           </a:p>
         </p:txBody>
       </p:sp>
@@ -3314,8 +3378,8 @@
         </p:nvSpPr>
         <p:spPr>
           <a:xfrm>
-            <a:off x="3886200" y="5438274"/>
-            <a:ext cx="1427747" cy="1427747"/>
+            <a:off x="3646570" y="5185107"/>
+            <a:ext cx="1926055" cy="1926055"/>
           </a:xfrm>
           <a:prstGeom prst="ellipse">
             <a:avLst/>
@@ -3366,8 +3430,8 @@
         </p:nvSpPr>
         <p:spPr>
           <a:xfrm>
-            <a:off x="1483894" y="3850105"/>
-            <a:ext cx="417095" cy="417095"/>
+            <a:off x="581524" y="3850105"/>
+            <a:ext cx="1335024" cy="1335002"/>
           </a:xfrm>
           <a:prstGeom prst="ellipse">
             <a:avLst/>
@@ -3400,7 +3464,35 @@
           <a:lstStyle/>
           <a:p>
             <a:pPr algn="ctr"/>
-            <a:endParaRPr lang="en-US"/>
+            <a:endParaRPr lang="en-US" dirty="0"/>
+          </a:p>
+          <a:p>
+            <a:pPr algn="ctr"/>
+            <a:endParaRPr lang="en-US" dirty="0"/>
+          </a:p>
+          <a:p>
+            <a:pPr algn="ctr"/>
+            <a:endParaRPr lang="en-US" dirty="0"/>
+          </a:p>
+          <a:p>
+            <a:pPr algn="ctr"/>
+            <a:endParaRPr lang="en-US" dirty="0"/>
+          </a:p>
+          <a:p>
+            <a:pPr algn="ctr"/>
+            <a:endParaRPr lang="en-US" dirty="0"/>
+          </a:p>
+          <a:p>
+            <a:pPr algn="ctr"/>
+            <a:endParaRPr lang="en-US" dirty="0"/>
+          </a:p>
+          <a:p>
+            <a:pPr algn="ctr"/>
+            <a:endParaRPr lang="en-US" dirty="0"/>
+          </a:p>
+          <a:p>
+            <a:pPr algn="ctr"/>
+            <a:endParaRPr lang="en-US" dirty="0"/>
           </a:p>
         </p:txBody>
       </p:sp>
@@ -3418,8 +3510,8 @@
         </p:nvSpPr>
         <p:spPr>
           <a:xfrm>
-            <a:off x="2229852" y="4820652"/>
-            <a:ext cx="417095" cy="417095"/>
+            <a:off x="1286878" y="5704623"/>
+            <a:ext cx="1230228" cy="1234440"/>
           </a:xfrm>
           <a:prstGeom prst="ellipse">
             <a:avLst/>
@@ -3452,7 +3544,15 @@
           <a:lstStyle/>
           <a:p>
             <a:pPr algn="ctr"/>
-            <a:endParaRPr lang="en-US"/>
+            <a:endParaRPr lang="en-US" dirty="0"/>
+          </a:p>
+          <a:p>
+            <a:pPr algn="ctr"/>
+            <a:endParaRPr lang="en-US" dirty="0"/>
+          </a:p>
+          <a:p>
+            <a:pPr algn="ctr"/>
+            <a:endParaRPr lang="en-US" dirty="0"/>
           </a:p>
         </p:txBody>
       </p:sp>
@@ -3470,8 +3570,8 @@
         </p:nvSpPr>
         <p:spPr>
           <a:xfrm>
-            <a:off x="2998870" y="4323346"/>
-            <a:ext cx="417095" cy="417095"/>
+            <a:off x="2550491" y="4352470"/>
+            <a:ext cx="1280160" cy="1280160"/>
           </a:xfrm>
           <a:prstGeom prst="ellipse">
             <a:avLst/>
@@ -3522,8 +3622,8 @@
         </p:nvSpPr>
         <p:spPr>
           <a:xfrm>
-            <a:off x="3187366" y="5594684"/>
-            <a:ext cx="417095" cy="417095"/>
+            <a:off x="3276599" y="5805031"/>
+            <a:ext cx="1219201" cy="1216152"/>
           </a:xfrm>
           <a:prstGeom prst="ellipse">
             <a:avLst/>
